--- a/Presentation/Shark attacks.pptx
+++ b/Presentation/Shark attacks.pptx
@@ -262,7 +262,7 @@
   </p:defaultTextStyle>
   <p:extLst>
     <p:ext uri="http://customooxmlschemas.google.com/">
-      <go:slidesCustomData xmlns:go="http://customooxmlschemas.google.com/" r:id="rId20" roundtripDataSignature="AMtx7mg/65nfy7MIiekWEDVjhkaktnJkwA=="/>
+      <go:slidesCustomData xmlns:go="http://customooxmlschemas.google.com/" r:id="rId20" roundtripDataSignature="AMtx7mgGNd9gSJXM13Z0ZII07rumgxZ+SQ=="/>
     </p:ext>
   </p:extLst>
 </p:presentation>
@@ -958,7 +958,7 @@
   <p:cSld>
     <p:spTree>
       <p:nvGrpSpPr>
-        <p:cNvPr id="144" name="Shape 144"/>
+        <p:cNvPr id="149" name="Shape 149"/>
         <p:cNvGrpSpPr/>
         <p:nvPr/>
       </p:nvGrpSpPr>
@@ -972,7 +972,7 @@
       </p:grpSpPr>
       <p:sp>
         <p:nvSpPr>
-          <p:cNvPr id="145" name="Google Shape;145;p8:notes"/>
+          <p:cNvPr id="150" name="Google Shape;150;p8:notes"/>
           <p:cNvSpPr txBox="1"/>
           <p:nvPr>
             <p:ph idx="1" type="body"/>
@@ -1019,7 +1019,7 @@
       </p:sp>
       <p:sp>
         <p:nvSpPr>
-          <p:cNvPr id="146" name="Google Shape;146;p8:notes"/>
+          <p:cNvPr id="151" name="Google Shape;151;p8:notes"/>
           <p:cNvSpPr/>
           <p:nvPr>
             <p:ph idx="2" type="sldImg"/>
@@ -1075,7 +1075,7 @@
   <p:cSld>
     <p:spTree>
       <p:nvGrpSpPr>
-        <p:cNvPr id="150" name="Shape 150"/>
+        <p:cNvPr id="155" name="Shape 155"/>
         <p:cNvGrpSpPr/>
         <p:nvPr/>
       </p:nvGrpSpPr>
@@ -1089,7 +1089,7 @@
       </p:grpSpPr>
       <p:sp>
         <p:nvSpPr>
-          <p:cNvPr id="151" name="Google Shape;151;g13f639cd32d_0_6:notes"/>
+          <p:cNvPr id="156" name="Google Shape;156;g13f639cd32d_0_6:notes"/>
           <p:cNvSpPr txBox="1"/>
           <p:nvPr>
             <p:ph idx="1" type="body"/>
@@ -1136,7 +1136,7 @@
       </p:sp>
       <p:sp>
         <p:nvSpPr>
-          <p:cNvPr id="152" name="Google Shape;152;g13f639cd32d_0_6:notes"/>
+          <p:cNvPr id="157" name="Google Shape;157;g13f639cd32d_0_6:notes"/>
           <p:cNvSpPr/>
           <p:nvPr>
             <p:ph idx="2" type="sldImg"/>
@@ -1426,7 +1426,7 @@
   <p:cSld>
     <p:spTree>
       <p:nvGrpSpPr>
-        <p:cNvPr id="100" name="Shape 100"/>
+        <p:cNvPr id="102" name="Shape 102"/>
         <p:cNvGrpSpPr/>
         <p:nvPr/>
       </p:nvGrpSpPr>
@@ -1440,7 +1440,7 @@
       </p:grpSpPr>
       <p:sp>
         <p:nvSpPr>
-          <p:cNvPr id="101" name="Google Shape;101;p4:notes"/>
+          <p:cNvPr id="103" name="Google Shape;103;p4:notes"/>
           <p:cNvSpPr txBox="1"/>
           <p:nvPr>
             <p:ph idx="1" type="body"/>
@@ -1487,7 +1487,7 @@
       </p:sp>
       <p:sp>
         <p:nvSpPr>
-          <p:cNvPr id="102" name="Google Shape;102;p4:notes"/>
+          <p:cNvPr id="104" name="Google Shape;104;p4:notes"/>
           <p:cNvSpPr/>
           <p:nvPr>
             <p:ph idx="2" type="sldImg"/>
@@ -1543,7 +1543,7 @@
   <p:cSld>
     <p:spTree>
       <p:nvGrpSpPr>
-        <p:cNvPr id="108" name="Shape 108"/>
+        <p:cNvPr id="110" name="Shape 110"/>
         <p:cNvGrpSpPr/>
         <p:nvPr/>
       </p:nvGrpSpPr>
@@ -1557,7 +1557,7 @@
       </p:grpSpPr>
       <p:sp>
         <p:nvSpPr>
-          <p:cNvPr id="109" name="Google Shape;109;p5:notes"/>
+          <p:cNvPr id="111" name="Google Shape;111;p5:notes"/>
           <p:cNvSpPr txBox="1"/>
           <p:nvPr>
             <p:ph idx="1" type="body"/>
@@ -1604,7 +1604,7 @@
       </p:sp>
       <p:sp>
         <p:nvSpPr>
-          <p:cNvPr id="110" name="Google Shape;110;p5:notes"/>
+          <p:cNvPr id="112" name="Google Shape;112;p5:notes"/>
           <p:cNvSpPr/>
           <p:nvPr>
             <p:ph idx="2" type="sldImg"/>
@@ -1660,7 +1660,7 @@
   <p:cSld>
     <p:spTree>
       <p:nvGrpSpPr>
-        <p:cNvPr id="114" name="Shape 114"/>
+        <p:cNvPr id="119" name="Shape 119"/>
         <p:cNvGrpSpPr/>
         <p:nvPr/>
       </p:nvGrpSpPr>
@@ -1674,7 +1674,7 @@
       </p:grpSpPr>
       <p:sp>
         <p:nvSpPr>
-          <p:cNvPr id="115" name="Google Shape;115;p6:notes"/>
+          <p:cNvPr id="120" name="Google Shape;120;p6:notes"/>
           <p:cNvSpPr txBox="1"/>
           <p:nvPr>
             <p:ph idx="1" type="body"/>
@@ -1721,7 +1721,7 @@
       </p:sp>
       <p:sp>
         <p:nvSpPr>
-          <p:cNvPr id="116" name="Google Shape;116;p6:notes"/>
+          <p:cNvPr id="121" name="Google Shape;121;p6:notes"/>
           <p:cNvSpPr/>
           <p:nvPr>
             <p:ph idx="2" type="sldImg"/>
@@ -1777,7 +1777,7 @@
   <p:cSld>
     <p:spTree>
       <p:nvGrpSpPr>
-        <p:cNvPr id="122" name="Shape 122"/>
+        <p:cNvPr id="127" name="Shape 127"/>
         <p:cNvGrpSpPr/>
         <p:nvPr/>
       </p:nvGrpSpPr>
@@ -1791,7 +1791,7 @@
       </p:grpSpPr>
       <p:sp>
         <p:nvSpPr>
-          <p:cNvPr id="123" name="Google Shape;123;g15d421a96ee_2_1:notes"/>
+          <p:cNvPr id="128" name="Google Shape;128;g15d421a96ee_2_1:notes"/>
           <p:cNvSpPr txBox="1"/>
           <p:nvPr>
             <p:ph idx="1" type="body"/>
@@ -1838,7 +1838,7 @@
       </p:sp>
       <p:sp>
         <p:nvSpPr>
-          <p:cNvPr id="124" name="Google Shape;124;g15d421a96ee_2_1:notes"/>
+          <p:cNvPr id="129" name="Google Shape;129;g15d421a96ee_2_1:notes"/>
           <p:cNvSpPr/>
           <p:nvPr>
             <p:ph idx="2" type="sldImg"/>
@@ -1894,7 +1894,7 @@
   <p:cSld>
     <p:spTree>
       <p:nvGrpSpPr>
-        <p:cNvPr id="128" name="Shape 128"/>
+        <p:cNvPr id="133" name="Shape 133"/>
         <p:cNvGrpSpPr/>
         <p:nvPr/>
       </p:nvGrpSpPr>
@@ -1908,7 +1908,7 @@
       </p:grpSpPr>
       <p:sp>
         <p:nvSpPr>
-          <p:cNvPr id="129" name="Google Shape;129;p7:notes"/>
+          <p:cNvPr id="134" name="Google Shape;134;p7:notes"/>
           <p:cNvSpPr txBox="1"/>
           <p:nvPr>
             <p:ph idx="1" type="body"/>
@@ -1955,7 +1955,7 @@
       </p:sp>
       <p:sp>
         <p:nvSpPr>
-          <p:cNvPr id="130" name="Google Shape;130;p7:notes"/>
+          <p:cNvPr id="135" name="Google Shape;135;p7:notes"/>
           <p:cNvSpPr/>
           <p:nvPr>
             <p:ph idx="2" type="sldImg"/>
@@ -2011,7 +2011,7 @@
   <p:cSld>
     <p:spTree>
       <p:nvGrpSpPr>
-        <p:cNvPr id="136" name="Shape 136"/>
+        <p:cNvPr id="141" name="Shape 141"/>
         <p:cNvGrpSpPr/>
         <p:nvPr/>
       </p:nvGrpSpPr>
@@ -2025,7 +2025,7 @@
       </p:grpSpPr>
       <p:sp>
         <p:nvSpPr>
-          <p:cNvPr id="137" name="Google Shape;137;g13f639cd32d_0_1:notes"/>
+          <p:cNvPr id="142" name="Google Shape;142;g13f639cd32d_0_1:notes"/>
           <p:cNvSpPr txBox="1"/>
           <p:nvPr>
             <p:ph idx="1" type="body"/>
@@ -2072,7 +2072,7 @@
       </p:sp>
       <p:sp>
         <p:nvSpPr>
-          <p:cNvPr id="138" name="Google Shape;138;g13f639cd32d_0_1:notes"/>
+          <p:cNvPr id="143" name="Google Shape;143;g13f639cd32d_0_1:notes"/>
           <p:cNvSpPr/>
           <p:nvPr>
             <p:ph idx="2" type="sldImg"/>
@@ -15366,7 +15366,7 @@
   <p:cSld>
     <p:spTree>
       <p:nvGrpSpPr>
-        <p:cNvPr id="147" name="Shape 147"/>
+        <p:cNvPr id="152" name="Shape 152"/>
         <p:cNvGrpSpPr/>
         <p:nvPr/>
       </p:nvGrpSpPr>
@@ -15380,7 +15380,7 @@
       </p:grpSpPr>
       <p:sp>
         <p:nvSpPr>
-          <p:cNvPr id="148" name="Google Shape;148;p8"/>
+          <p:cNvPr id="153" name="Google Shape;153;p8"/>
           <p:cNvSpPr txBox="1"/>
           <p:nvPr>
             <p:ph type="title"/>
@@ -15432,7 +15432,7 @@
       </p:sp>
       <p:sp>
         <p:nvSpPr>
-          <p:cNvPr id="149" name="Google Shape;149;p8"/>
+          <p:cNvPr id="154" name="Google Shape;154;p8"/>
           <p:cNvSpPr txBox="1"/>
           <p:nvPr/>
         </p:nvSpPr>
@@ -15793,7 +15793,7 @@
   <p:cSld>
     <p:spTree>
       <p:nvGrpSpPr>
-        <p:cNvPr id="153" name="Shape 153"/>
+        <p:cNvPr id="158" name="Shape 158"/>
         <p:cNvGrpSpPr/>
         <p:nvPr/>
       </p:nvGrpSpPr>
@@ -15807,7 +15807,7 @@
       </p:grpSpPr>
       <p:sp>
         <p:nvSpPr>
-          <p:cNvPr id="154" name="Google Shape;154;g13f639cd32d_0_6"/>
+          <p:cNvPr id="159" name="Google Shape;159;g13f639cd32d_0_6"/>
           <p:cNvSpPr txBox="1"/>
           <p:nvPr>
             <p:ph type="title"/>
@@ -15859,7 +15859,7 @@
       </p:sp>
       <p:sp>
         <p:nvSpPr>
-          <p:cNvPr id="155" name="Google Shape;155;g13f639cd32d_0_6"/>
+          <p:cNvPr id="160" name="Google Shape;160;g13f639cd32d_0_6"/>
           <p:cNvSpPr txBox="1"/>
           <p:nvPr/>
         </p:nvSpPr>
@@ -16825,7 +16825,7 @@
         </p:nvSpPr>
         <p:spPr>
           <a:xfrm>
-            <a:off x="698904" y="4422091"/>
+            <a:off x="545529" y="6858004"/>
             <a:ext cx="6561000" cy="1754700"/>
           </a:xfrm>
           <a:prstGeom prst="rect">
@@ -16997,6 +16997,62 @@
           </a:p>
         </p:txBody>
       </p:sp>
+      <p:pic>
+        <p:nvPicPr>
+          <p:cNvPr id="100" name="Google Shape;100;p3"/>
+          <p:cNvPicPr preferRelativeResize="0"/>
+          <p:nvPr/>
+        </p:nvPicPr>
+        <p:blipFill>
+          <a:blip r:embed="rId3">
+            <a:alphaModFix/>
+          </a:blip>
+          <a:stretch>
+            <a:fillRect/>
+          </a:stretch>
+        </p:blipFill>
+        <p:spPr>
+          <a:xfrm>
+            <a:off x="950375" y="4115750"/>
+            <a:ext cx="2998599" cy="2504224"/>
+          </a:xfrm>
+          <a:prstGeom prst="rect">
+            <a:avLst/>
+          </a:prstGeom>
+          <a:noFill/>
+          <a:ln>
+            <a:noFill/>
+          </a:ln>
+        </p:spPr>
+      </p:pic>
+      <p:pic>
+        <p:nvPicPr>
+          <p:cNvPr id="101" name="Google Shape;101;p3"/>
+          <p:cNvPicPr preferRelativeResize="0"/>
+          <p:nvPr/>
+        </p:nvPicPr>
+        <p:blipFill>
+          <a:blip r:embed="rId4">
+            <a:alphaModFix/>
+          </a:blip>
+          <a:stretch>
+            <a:fillRect/>
+          </a:stretch>
+        </p:blipFill>
+        <p:spPr>
+          <a:xfrm>
+            <a:off x="5302674" y="4115740"/>
+            <a:ext cx="2670123" cy="2495585"/>
+          </a:xfrm>
+          <a:prstGeom prst="rect">
+            <a:avLst/>
+          </a:prstGeom>
+          <a:noFill/>
+          <a:ln>
+            <a:noFill/>
+          </a:ln>
+        </p:spPr>
+      </p:pic>
     </p:spTree>
   </p:cSld>
   <p:clrMapOvr>
@@ -17010,7 +17066,7 @@
   <p:cSld>
     <p:spTree>
       <p:nvGrpSpPr>
-        <p:cNvPr id="103" name="Shape 103"/>
+        <p:cNvPr id="105" name="Shape 105"/>
         <p:cNvGrpSpPr/>
         <p:nvPr/>
       </p:nvGrpSpPr>
@@ -17024,7 +17080,7 @@
       </p:grpSpPr>
       <p:sp>
         <p:nvSpPr>
-          <p:cNvPr id="104" name="Google Shape;104;p4"/>
+          <p:cNvPr id="106" name="Google Shape;106;p4"/>
           <p:cNvSpPr txBox="1"/>
           <p:nvPr>
             <p:ph type="title"/>
@@ -17076,7 +17132,7 @@
       </p:sp>
       <p:sp>
         <p:nvSpPr>
-          <p:cNvPr id="105" name="Google Shape;105;p4"/>
+          <p:cNvPr id="107" name="Google Shape;107;p4"/>
           <p:cNvSpPr txBox="1"/>
           <p:nvPr/>
         </p:nvSpPr>
@@ -17213,7 +17269,7 @@
       </p:sp>
       <p:pic>
         <p:nvPicPr>
-          <p:cNvPr id="106" name="Google Shape;106;p4"/>
+          <p:cNvPr id="108" name="Google Shape;108;p4"/>
           <p:cNvPicPr preferRelativeResize="0"/>
           <p:nvPr/>
         </p:nvPicPr>
@@ -17240,7 +17296,7 @@
       </p:pic>
       <p:pic>
         <p:nvPicPr>
-          <p:cNvPr id="107" name="Google Shape;107;p4"/>
+          <p:cNvPr id="109" name="Google Shape;109;p4"/>
           <p:cNvPicPr preferRelativeResize="0"/>
           <p:nvPr/>
         </p:nvPicPr>
@@ -17279,7 +17335,7 @@
   <p:cSld>
     <p:spTree>
       <p:nvGrpSpPr>
-        <p:cNvPr id="111" name="Shape 111"/>
+        <p:cNvPr id="113" name="Shape 113"/>
         <p:cNvGrpSpPr/>
         <p:nvPr/>
       </p:nvGrpSpPr>
@@ -17293,7 +17349,7 @@
       </p:grpSpPr>
       <p:sp>
         <p:nvSpPr>
-          <p:cNvPr id="112" name="Google Shape;112;p5"/>
+          <p:cNvPr id="114" name="Google Shape;114;p5"/>
           <p:cNvSpPr txBox="1"/>
           <p:nvPr>
             <p:ph type="title"/>
@@ -17345,14 +17401,14 @@
       </p:sp>
       <p:sp>
         <p:nvSpPr>
-          <p:cNvPr id="113" name="Google Shape;113;p5"/>
+          <p:cNvPr id="115" name="Google Shape;115;p5"/>
           <p:cNvSpPr txBox="1"/>
           <p:nvPr/>
         </p:nvSpPr>
         <p:spPr>
           <a:xfrm>
-            <a:off x="774686" y="1690688"/>
-            <a:ext cx="9246637" cy="3108543"/>
+            <a:off x="5822705" y="1658845"/>
+            <a:ext cx="5423700" cy="3540300"/>
           </a:xfrm>
           <a:prstGeom prst="rect">
             <a:avLst/>
@@ -17613,6 +17669,528 @@
           </a:p>
         </p:txBody>
       </p:sp>
+      <p:sp>
+        <p:nvSpPr>
+          <p:cNvPr id="116" name="Google Shape;116;p5"/>
+          <p:cNvSpPr txBox="1"/>
+          <p:nvPr/>
+        </p:nvSpPr>
+        <p:spPr>
+          <a:xfrm>
+            <a:off x="511200" y="1690700"/>
+            <a:ext cx="5104500" cy="1822500"/>
+          </a:xfrm>
+          <a:prstGeom prst="rect">
+            <a:avLst/>
+          </a:prstGeom>
+          <a:noFill/>
+          <a:ln>
+            <a:noFill/>
+          </a:ln>
+        </p:spPr>
+        <p:txBody>
+          <a:bodyPr anchorCtr="0" anchor="t" bIns="91425" lIns="91425" spcFirstLastPara="1" rIns="91425" wrap="square" tIns="91425">
+            <a:spAutoFit/>
+          </a:bodyPr>
+          <a:lstStyle/>
+          <a:p>
+            <a:pPr indent="-349250" lvl="0" marL="457200" rtl="0" algn="l">
+              <a:lnSpc>
+                <a:spcPct val="115000"/>
+              </a:lnSpc>
+              <a:spcBef>
+                <a:spcPts val="0"/>
+              </a:spcBef>
+              <a:spcAft>
+                <a:spcPts val="0"/>
+              </a:spcAft>
+              <a:buClr>
+                <a:srgbClr val="24292F"/>
+              </a:buClr>
+              <a:buSzPts val="1900"/>
+              <a:buChar char="●"/>
+            </a:pPr>
+            <a:r>
+              <a:rPr lang="en-US" sz="1900">
+                <a:solidFill>
+                  <a:srgbClr val="24292F"/>
+                </a:solidFill>
+                <a:highlight>
+                  <a:srgbClr val="FFFFFF"/>
+                </a:highlight>
+              </a:rPr>
+              <a:t>Fatality: (Y) Dependent variable</a:t>
+            </a:r>
+            <a:endParaRPr sz="1900">
+              <a:solidFill>
+                <a:srgbClr val="24292F"/>
+              </a:solidFill>
+              <a:highlight>
+                <a:srgbClr val="FFFFFF"/>
+              </a:highlight>
+            </a:endParaRPr>
+          </a:p>
+          <a:p>
+            <a:pPr indent="-349250" lvl="0" marL="457200" rtl="0" algn="l">
+              <a:lnSpc>
+                <a:spcPct val="115000"/>
+              </a:lnSpc>
+              <a:spcBef>
+                <a:spcPts val="0"/>
+              </a:spcBef>
+              <a:spcAft>
+                <a:spcPts val="0"/>
+              </a:spcAft>
+              <a:buClr>
+                <a:srgbClr val="24292F"/>
+              </a:buClr>
+              <a:buSzPts val="1900"/>
+              <a:buChar char="●"/>
+            </a:pPr>
+            <a:r>
+              <a:rPr lang="en-US" sz="1900">
+                <a:solidFill>
+                  <a:srgbClr val="24292F"/>
+                </a:solidFill>
+                <a:highlight>
+                  <a:srgbClr val="FFFFFF"/>
+                </a:highlight>
+              </a:rPr>
+              <a:t>Type: unprovoked</a:t>
+            </a:r>
+            <a:endParaRPr sz="1900">
+              <a:solidFill>
+                <a:srgbClr val="24292F"/>
+              </a:solidFill>
+              <a:highlight>
+                <a:srgbClr val="FFFFFF"/>
+              </a:highlight>
+            </a:endParaRPr>
+          </a:p>
+          <a:p>
+            <a:pPr indent="-349250" lvl="0" marL="457200" rtl="0" algn="l">
+              <a:lnSpc>
+                <a:spcPct val="115000"/>
+              </a:lnSpc>
+              <a:spcBef>
+                <a:spcPts val="0"/>
+              </a:spcBef>
+              <a:spcAft>
+                <a:spcPts val="0"/>
+              </a:spcAft>
+              <a:buClr>
+                <a:srgbClr val="24292F"/>
+              </a:buClr>
+              <a:buSzPts val="1900"/>
+              <a:buChar char="●"/>
+            </a:pPr>
+            <a:r>
+              <a:rPr lang="en-US" sz="1900">
+                <a:solidFill>
+                  <a:srgbClr val="24292F"/>
+                </a:solidFill>
+                <a:highlight>
+                  <a:srgbClr val="FFFFFF"/>
+                </a:highlight>
+              </a:rPr>
+              <a:t>Activities: surfing, swimming, snorkeling/scuba diving, fishing</a:t>
+            </a:r>
+            <a:endParaRPr sz="1900">
+              <a:solidFill>
+                <a:srgbClr val="24292F"/>
+              </a:solidFill>
+              <a:highlight>
+                <a:srgbClr val="FFFFFF"/>
+              </a:highlight>
+            </a:endParaRPr>
+          </a:p>
+          <a:p>
+            <a:pPr indent="-349250" lvl="0" marL="457200" rtl="0" algn="l">
+              <a:lnSpc>
+                <a:spcPct val="115000"/>
+              </a:lnSpc>
+              <a:spcBef>
+                <a:spcPts val="0"/>
+              </a:spcBef>
+              <a:spcAft>
+                <a:spcPts val="0"/>
+              </a:spcAft>
+              <a:buClr>
+                <a:srgbClr val="24292F"/>
+              </a:buClr>
+              <a:buSzPts val="1900"/>
+              <a:buChar char="●"/>
+            </a:pPr>
+            <a:r>
+              <a:rPr lang="en-US" sz="1900">
+                <a:solidFill>
+                  <a:srgbClr val="24292F"/>
+                </a:solidFill>
+                <a:highlight>
+                  <a:srgbClr val="FFFFFF"/>
+                </a:highlight>
+              </a:rPr>
+              <a:t>Locations: area, country</a:t>
+            </a:r>
+            <a:endParaRPr sz="1900">
+              <a:solidFill>
+                <a:srgbClr val="24292F"/>
+              </a:solidFill>
+              <a:highlight>
+                <a:srgbClr val="FFFFFF"/>
+              </a:highlight>
+            </a:endParaRPr>
+          </a:p>
+        </p:txBody>
+      </p:sp>
+      <p:sp>
+        <p:nvSpPr>
+          <p:cNvPr id="117" name="Google Shape;117;p5"/>
+          <p:cNvSpPr txBox="1"/>
+          <p:nvPr/>
+        </p:nvSpPr>
+        <p:spPr>
+          <a:xfrm>
+            <a:off x="511200" y="3646527"/>
+            <a:ext cx="5104500" cy="1486200"/>
+          </a:xfrm>
+          <a:prstGeom prst="rect">
+            <a:avLst/>
+          </a:prstGeom>
+          <a:noFill/>
+          <a:ln>
+            <a:noFill/>
+          </a:ln>
+        </p:spPr>
+        <p:txBody>
+          <a:bodyPr anchorCtr="0" anchor="t" bIns="91425" lIns="91425" spcFirstLastPara="1" rIns="91425" wrap="square" tIns="91425">
+            <a:spAutoFit/>
+          </a:bodyPr>
+          <a:lstStyle/>
+          <a:p>
+            <a:pPr indent="-349250" lvl="0" marL="457200" rtl="0" algn="l">
+              <a:lnSpc>
+                <a:spcPct val="115000"/>
+              </a:lnSpc>
+              <a:spcBef>
+                <a:spcPts val="0"/>
+              </a:spcBef>
+              <a:spcAft>
+                <a:spcPts val="0"/>
+              </a:spcAft>
+              <a:buClr>
+                <a:srgbClr val="24292F"/>
+              </a:buClr>
+              <a:buSzPts val="1900"/>
+              <a:buChar char="●"/>
+            </a:pPr>
+            <a:r>
+              <a:rPr lang="en-US" sz="1900">
+                <a:solidFill>
+                  <a:srgbClr val="24292F"/>
+                </a:solidFill>
+                <a:highlight>
+                  <a:srgbClr val="FFFFFF"/>
+                </a:highlight>
+              </a:rPr>
+              <a:t>Fatality: (Y) Dependent variable</a:t>
+            </a:r>
+            <a:endParaRPr sz="1900">
+              <a:solidFill>
+                <a:srgbClr val="24292F"/>
+              </a:solidFill>
+              <a:highlight>
+                <a:srgbClr val="FFFFFF"/>
+              </a:highlight>
+            </a:endParaRPr>
+          </a:p>
+          <a:p>
+            <a:pPr indent="-349250" lvl="0" marL="457200" rtl="0" algn="l">
+              <a:lnSpc>
+                <a:spcPct val="115000"/>
+              </a:lnSpc>
+              <a:spcBef>
+                <a:spcPts val="0"/>
+              </a:spcBef>
+              <a:spcAft>
+                <a:spcPts val="0"/>
+              </a:spcAft>
+              <a:buClr>
+                <a:srgbClr val="24292F"/>
+              </a:buClr>
+              <a:buSzPts val="1900"/>
+              <a:buChar char="●"/>
+            </a:pPr>
+            <a:r>
+              <a:rPr lang="en-US" sz="1900">
+                <a:solidFill>
+                  <a:srgbClr val="24292F"/>
+                </a:solidFill>
+                <a:highlight>
+                  <a:srgbClr val="FFFFFF"/>
+                </a:highlight>
+              </a:rPr>
+              <a:t>Type: unprovoked</a:t>
+            </a:r>
+            <a:endParaRPr sz="1900">
+              <a:solidFill>
+                <a:srgbClr val="24292F"/>
+              </a:solidFill>
+              <a:highlight>
+                <a:srgbClr val="FFFFFF"/>
+              </a:highlight>
+            </a:endParaRPr>
+          </a:p>
+          <a:p>
+            <a:pPr indent="-349250" lvl="0" marL="457200" rtl="0" algn="l">
+              <a:lnSpc>
+                <a:spcPct val="115000"/>
+              </a:lnSpc>
+              <a:spcBef>
+                <a:spcPts val="0"/>
+              </a:spcBef>
+              <a:spcAft>
+                <a:spcPts val="0"/>
+              </a:spcAft>
+              <a:buClr>
+                <a:srgbClr val="24292F"/>
+              </a:buClr>
+              <a:buSzPts val="1900"/>
+              <a:buChar char="●"/>
+            </a:pPr>
+            <a:r>
+              <a:rPr lang="en-US" sz="1900">
+                <a:solidFill>
+                  <a:srgbClr val="24292F"/>
+                </a:solidFill>
+                <a:highlight>
+                  <a:srgbClr val="FFFFFF"/>
+                </a:highlight>
+              </a:rPr>
+              <a:t>Species: Extract size.</a:t>
+            </a:r>
+            <a:endParaRPr sz="1900">
+              <a:solidFill>
+                <a:srgbClr val="24292F"/>
+              </a:solidFill>
+              <a:highlight>
+                <a:srgbClr val="FFFFFF"/>
+              </a:highlight>
+            </a:endParaRPr>
+          </a:p>
+          <a:p>
+            <a:pPr indent="-349250" lvl="0" marL="457200" rtl="0" algn="l">
+              <a:lnSpc>
+                <a:spcPct val="115000"/>
+              </a:lnSpc>
+              <a:spcBef>
+                <a:spcPts val="0"/>
+              </a:spcBef>
+              <a:spcAft>
+                <a:spcPts val="0"/>
+              </a:spcAft>
+              <a:buClr>
+                <a:srgbClr val="24292F"/>
+              </a:buClr>
+              <a:buSzPts val="1900"/>
+              <a:buChar char="●"/>
+            </a:pPr>
+            <a:r>
+              <a:rPr lang="en-US" sz="1900">
+                <a:solidFill>
+                  <a:srgbClr val="24292F"/>
+                </a:solidFill>
+                <a:highlight>
+                  <a:srgbClr val="FFFFFF"/>
+                </a:highlight>
+              </a:rPr>
+              <a:t>Locations: area, country</a:t>
+            </a:r>
+            <a:endParaRPr sz="1900">
+              <a:solidFill>
+                <a:srgbClr val="24292F"/>
+              </a:solidFill>
+              <a:highlight>
+                <a:srgbClr val="FFFFFF"/>
+              </a:highlight>
+            </a:endParaRPr>
+          </a:p>
+        </p:txBody>
+      </p:sp>
+      <p:sp>
+        <p:nvSpPr>
+          <p:cNvPr id="118" name="Google Shape;118;p5"/>
+          <p:cNvSpPr txBox="1"/>
+          <p:nvPr/>
+        </p:nvSpPr>
+        <p:spPr>
+          <a:xfrm>
+            <a:off x="511200" y="5150961"/>
+            <a:ext cx="5104500" cy="1486200"/>
+          </a:xfrm>
+          <a:prstGeom prst="rect">
+            <a:avLst/>
+          </a:prstGeom>
+          <a:noFill/>
+          <a:ln>
+            <a:noFill/>
+          </a:ln>
+        </p:spPr>
+        <p:txBody>
+          <a:bodyPr anchorCtr="0" anchor="t" bIns="91425" lIns="91425" spcFirstLastPara="1" rIns="91425" wrap="square" tIns="91425">
+            <a:spAutoFit/>
+          </a:bodyPr>
+          <a:lstStyle/>
+          <a:p>
+            <a:pPr indent="-349250" lvl="0" marL="457200" rtl="0" algn="l">
+              <a:lnSpc>
+                <a:spcPct val="115000"/>
+              </a:lnSpc>
+              <a:spcBef>
+                <a:spcPts val="0"/>
+              </a:spcBef>
+              <a:spcAft>
+                <a:spcPts val="0"/>
+              </a:spcAft>
+              <a:buClr>
+                <a:srgbClr val="24292F"/>
+              </a:buClr>
+              <a:buSzPts val="1900"/>
+              <a:buChar char="●"/>
+            </a:pPr>
+            <a:r>
+              <a:rPr lang="en-US" sz="1900">
+                <a:solidFill>
+                  <a:srgbClr val="24292F"/>
+                </a:solidFill>
+                <a:highlight>
+                  <a:srgbClr val="FFFFFF"/>
+                </a:highlight>
+              </a:rPr>
+              <a:t>Fatality: (Y) Dependent variable</a:t>
+            </a:r>
+            <a:endParaRPr sz="1900">
+              <a:solidFill>
+                <a:srgbClr val="24292F"/>
+              </a:solidFill>
+              <a:highlight>
+                <a:srgbClr val="FFFFFF"/>
+              </a:highlight>
+            </a:endParaRPr>
+          </a:p>
+          <a:p>
+            <a:pPr indent="-349250" lvl="0" marL="457200" rtl="0" algn="l">
+              <a:lnSpc>
+                <a:spcPct val="115000"/>
+              </a:lnSpc>
+              <a:spcBef>
+                <a:spcPts val="0"/>
+              </a:spcBef>
+              <a:spcAft>
+                <a:spcPts val="0"/>
+              </a:spcAft>
+              <a:buClr>
+                <a:srgbClr val="24292F"/>
+              </a:buClr>
+              <a:buSzPts val="1900"/>
+              <a:buChar char="●"/>
+            </a:pPr>
+            <a:r>
+              <a:rPr lang="en-US" sz="1900">
+                <a:solidFill>
+                  <a:srgbClr val="24292F"/>
+                </a:solidFill>
+                <a:highlight>
+                  <a:srgbClr val="FFFFFF"/>
+                </a:highlight>
+              </a:rPr>
+              <a:t>Type: unprovoked</a:t>
+            </a:r>
+            <a:endParaRPr sz="1900">
+              <a:solidFill>
+                <a:srgbClr val="24292F"/>
+              </a:solidFill>
+              <a:highlight>
+                <a:srgbClr val="FFFFFF"/>
+              </a:highlight>
+            </a:endParaRPr>
+          </a:p>
+          <a:p>
+            <a:pPr indent="-349250" lvl="0" marL="457200" rtl="0" algn="l">
+              <a:lnSpc>
+                <a:spcPct val="115000"/>
+              </a:lnSpc>
+              <a:spcBef>
+                <a:spcPts val="0"/>
+              </a:spcBef>
+              <a:spcAft>
+                <a:spcPts val="0"/>
+              </a:spcAft>
+              <a:buClr>
+                <a:srgbClr val="24292F"/>
+              </a:buClr>
+              <a:buSzPts val="1900"/>
+              <a:buChar char="●"/>
+            </a:pPr>
+            <a:r>
+              <a:rPr lang="en-US" sz="1900">
+                <a:solidFill>
+                  <a:srgbClr val="24292F"/>
+                </a:solidFill>
+                <a:highlight>
+                  <a:srgbClr val="FFFFFF"/>
+                </a:highlight>
+              </a:rPr>
+              <a:t>Date: Compare the season. </a:t>
+            </a:r>
+            <a:endParaRPr sz="1900">
+              <a:solidFill>
+                <a:srgbClr val="24292F"/>
+              </a:solidFill>
+              <a:highlight>
+                <a:srgbClr val="FFFFFF"/>
+              </a:highlight>
+            </a:endParaRPr>
+          </a:p>
+          <a:p>
+            <a:pPr indent="-349250" lvl="0" marL="457200" rtl="0" algn="l">
+              <a:lnSpc>
+                <a:spcPct val="115000"/>
+              </a:lnSpc>
+              <a:spcBef>
+                <a:spcPts val="0"/>
+              </a:spcBef>
+              <a:spcAft>
+                <a:spcPts val="0"/>
+              </a:spcAft>
+              <a:buClr>
+                <a:srgbClr val="24292F"/>
+              </a:buClr>
+              <a:buSzPts val="1900"/>
+              <a:buChar char="●"/>
+            </a:pPr>
+            <a:r>
+              <a:rPr lang="en-US" sz="1900">
+                <a:solidFill>
+                  <a:srgbClr val="24292F"/>
+                </a:solidFill>
+                <a:highlight>
+                  <a:srgbClr val="FFFFFF"/>
+                </a:highlight>
+              </a:rPr>
+              <a:t>Locations: area, country</a:t>
+            </a:r>
+            <a:endParaRPr sz="1900">
+              <a:solidFill>
+                <a:srgbClr val="24292F"/>
+              </a:solidFill>
+              <a:highlight>
+                <a:srgbClr val="FFFFFF"/>
+              </a:highlight>
+            </a:endParaRPr>
+          </a:p>
+        </p:txBody>
+      </p:sp>
     </p:spTree>
   </p:cSld>
   <p:clrMapOvr>
@@ -17626,7 +18204,7 @@
   <p:cSld>
     <p:spTree>
       <p:nvGrpSpPr>
-        <p:cNvPr id="117" name="Shape 117"/>
+        <p:cNvPr id="122" name="Shape 122"/>
         <p:cNvGrpSpPr/>
         <p:nvPr/>
       </p:nvGrpSpPr>
@@ -17640,7 +18218,7 @@
       </p:grpSpPr>
       <p:sp>
         <p:nvSpPr>
-          <p:cNvPr id="118" name="Google Shape;118;p6"/>
+          <p:cNvPr id="123" name="Google Shape;123;p6"/>
           <p:cNvSpPr txBox="1"/>
           <p:nvPr>
             <p:ph type="title"/>
@@ -17692,7 +18270,7 @@
       </p:sp>
       <p:sp>
         <p:nvSpPr>
-          <p:cNvPr id="119" name="Google Shape;119;p6"/>
+          <p:cNvPr id="124" name="Google Shape;124;p6"/>
           <p:cNvSpPr txBox="1"/>
           <p:nvPr/>
         </p:nvSpPr>
@@ -17970,7 +18548,7 @@
       </p:sp>
       <p:pic>
         <p:nvPicPr>
-          <p:cNvPr id="120" name="Google Shape;120;p6"/>
+          <p:cNvPr id="125" name="Google Shape;125;p6"/>
           <p:cNvPicPr preferRelativeResize="0"/>
           <p:nvPr/>
         </p:nvPicPr>
@@ -17997,7 +18575,7 @@
       </p:pic>
       <p:pic>
         <p:nvPicPr>
-          <p:cNvPr id="121" name="Google Shape;121;p6"/>
+          <p:cNvPr id="126" name="Google Shape;126;p6"/>
           <p:cNvPicPr preferRelativeResize="0"/>
           <p:nvPr/>
         </p:nvPicPr>
@@ -18035,7 +18613,7 @@
   <p:cSld>
     <p:spTree>
       <p:nvGrpSpPr>
-        <p:cNvPr id="125" name="Shape 125"/>
+        <p:cNvPr id="130" name="Shape 130"/>
         <p:cNvGrpSpPr/>
         <p:nvPr/>
       </p:nvGrpSpPr>
@@ -18049,7 +18627,7 @@
       </p:grpSpPr>
       <p:sp>
         <p:nvSpPr>
-          <p:cNvPr id="126" name="Google Shape;126;g15d421a96ee_2_1"/>
+          <p:cNvPr id="131" name="Google Shape;131;g15d421a96ee_2_1"/>
           <p:cNvSpPr txBox="1"/>
           <p:nvPr>
             <p:ph type="title"/>
@@ -18101,7 +18679,7 @@
       </p:sp>
       <p:sp>
         <p:nvSpPr>
-          <p:cNvPr id="127" name="Google Shape;127;g15d421a96ee_2_1"/>
+          <p:cNvPr id="132" name="Google Shape;132;g15d421a96ee_2_1"/>
           <p:cNvSpPr txBox="1"/>
           <p:nvPr/>
         </p:nvSpPr>
@@ -18392,7 +18970,7 @@
   <p:cSld>
     <p:spTree>
       <p:nvGrpSpPr>
-        <p:cNvPr id="131" name="Shape 131"/>
+        <p:cNvPr id="136" name="Shape 136"/>
         <p:cNvGrpSpPr/>
         <p:nvPr/>
       </p:nvGrpSpPr>
@@ -18406,7 +18984,7 @@
       </p:grpSpPr>
       <p:sp>
         <p:nvSpPr>
-          <p:cNvPr id="132" name="Google Shape;132;p7"/>
+          <p:cNvPr id="137" name="Google Shape;137;p7"/>
           <p:cNvSpPr txBox="1"/>
           <p:nvPr>
             <p:ph type="title"/>
@@ -18458,7 +19036,7 @@
       </p:sp>
       <p:pic>
         <p:nvPicPr>
-          <p:cNvPr id="133" name="Google Shape;133;p7"/>
+          <p:cNvPr id="138" name="Google Shape;138;p7"/>
           <p:cNvPicPr preferRelativeResize="0"/>
           <p:nvPr/>
         </p:nvPicPr>
@@ -18471,8 +19049,8 @@
         </p:blipFill>
         <p:spPr>
           <a:xfrm>
-            <a:off x="6003075" y="2429600"/>
-            <a:ext cx="5006177" cy="3302150"/>
+            <a:off x="6044775" y="2003562"/>
+            <a:ext cx="5746125" cy="3790226"/>
           </a:xfrm>
           <a:prstGeom prst="rect">
             <a:avLst/>
@@ -18485,7 +19063,7 @@
       </p:pic>
       <p:pic>
         <p:nvPicPr>
-          <p:cNvPr id="134" name="Google Shape;134;p7"/>
+          <p:cNvPr id="139" name="Google Shape;139;p7"/>
           <p:cNvPicPr preferRelativeResize="0"/>
           <p:nvPr/>
         </p:nvPicPr>
@@ -18498,8 +19076,8 @@
         </p:blipFill>
         <p:spPr>
           <a:xfrm>
-            <a:off x="545175" y="2736375"/>
-            <a:ext cx="4824627" cy="3157299"/>
+            <a:off x="142100" y="2018508"/>
+            <a:ext cx="5746125" cy="3760342"/>
           </a:xfrm>
           <a:prstGeom prst="rect">
             <a:avLst/>
@@ -18512,13 +19090,13 @@
       </p:pic>
       <p:sp>
         <p:nvSpPr>
-          <p:cNvPr id="135" name="Google Shape;135;p7"/>
+          <p:cNvPr id="140" name="Google Shape;140;p7"/>
           <p:cNvSpPr txBox="1"/>
           <p:nvPr/>
         </p:nvSpPr>
         <p:spPr>
           <a:xfrm>
-            <a:off x="838200" y="1690700"/>
+            <a:off x="431100" y="834750"/>
             <a:ext cx="4726800" cy="738900"/>
           </a:xfrm>
           <a:prstGeom prst="rect">
@@ -18597,7 +19175,7 @@
   <p:cSld>
     <p:spTree>
       <p:nvGrpSpPr>
-        <p:cNvPr id="139" name="Shape 139"/>
+        <p:cNvPr id="144" name="Shape 144"/>
         <p:cNvGrpSpPr/>
         <p:nvPr/>
       </p:nvGrpSpPr>
@@ -18611,7 +19189,7 @@
       </p:grpSpPr>
       <p:sp>
         <p:nvSpPr>
-          <p:cNvPr id="140" name="Google Shape;140;g13f639cd32d_0_1"/>
+          <p:cNvPr id="145" name="Google Shape;145;g13f639cd32d_0_1"/>
           <p:cNvSpPr txBox="1"/>
           <p:nvPr>
             <p:ph type="title"/>
@@ -18663,7 +19241,7 @@
       </p:sp>
       <p:sp>
         <p:nvSpPr>
-          <p:cNvPr id="141" name="Google Shape;141;g13f639cd32d_0_1"/>
+          <p:cNvPr id="146" name="Google Shape;146;g13f639cd32d_0_1"/>
           <p:cNvSpPr txBox="1"/>
           <p:nvPr/>
         </p:nvSpPr>
@@ -18786,7 +19364,7 @@
       </p:sp>
       <p:pic>
         <p:nvPicPr>
-          <p:cNvPr id="142" name="Google Shape;142;g13f639cd32d_0_1"/>
+          <p:cNvPr id="147" name="Google Shape;147;g13f639cd32d_0_1"/>
           <p:cNvPicPr preferRelativeResize="0"/>
           <p:nvPr/>
         </p:nvPicPr>
@@ -18814,7 +19392,7 @@
       </p:pic>
       <p:sp>
         <p:nvSpPr>
-          <p:cNvPr id="143" name="Google Shape;143;g13f639cd32d_0_1"/>
+          <p:cNvPr id="148" name="Google Shape;148;g13f639cd32d_0_1"/>
           <p:cNvSpPr txBox="1"/>
           <p:nvPr/>
         </p:nvSpPr>
@@ -19039,6 +19617,285 @@
 </file>
 
 <file path=ppt/theme/theme1.xml><?xml version="1.0" encoding="utf-8"?>
+<a:theme xmlns:a="http://schemas.openxmlformats.org/drawingml/2006/main" xmlns:r="http://schemas.openxmlformats.org/officeDocument/2006/relationships" name="Office Theme">
+  <a:themeElements>
+    <a:clrScheme name="Office">
+      <a:dk1>
+        <a:srgbClr val="000000"/>
+      </a:dk1>
+      <a:lt1>
+        <a:srgbClr val="FFFFFF"/>
+      </a:lt1>
+      <a:dk2>
+        <a:srgbClr val="44546A"/>
+      </a:dk2>
+      <a:lt2>
+        <a:srgbClr val="E7E6E6"/>
+      </a:lt2>
+      <a:accent1>
+        <a:srgbClr val="4472C4"/>
+      </a:accent1>
+      <a:accent2>
+        <a:srgbClr val="ED7D31"/>
+      </a:accent2>
+      <a:accent3>
+        <a:srgbClr val="A5A5A5"/>
+      </a:accent3>
+      <a:accent4>
+        <a:srgbClr val="FFC000"/>
+      </a:accent4>
+      <a:accent5>
+        <a:srgbClr val="5B9BD5"/>
+      </a:accent5>
+      <a:accent6>
+        <a:srgbClr val="70AD47"/>
+      </a:accent6>
+      <a:hlink>
+        <a:srgbClr val="0563C1"/>
+      </a:hlink>
+      <a:folHlink>
+        <a:srgbClr val="954F72"/>
+      </a:folHlink>
+    </a:clrScheme>
+    <a:fontScheme name="Office">
+      <a:majorFont>
+        <a:latin typeface="Arial"/>
+        <a:ea typeface=""/>
+        <a:cs typeface=""/>
+        <a:font script="Jpan" typeface="ＭＳ Ｐゴシック"/>
+        <a:font script="Hang" typeface="맑은 고딕"/>
+        <a:font script="Hans" typeface="宋体"/>
+        <a:font script="Hant" typeface="新細明體"/>
+        <a:font script="Arab" typeface="Times New Roman"/>
+        <a:font script="Hebr" typeface="Times New Roman"/>
+        <a:font script="Thai" typeface="Angsana New"/>
+        <a:font script="Ethi" typeface="Nyala"/>
+        <a:font script="Beng" typeface="Vrinda"/>
+        <a:font script="Gujr" typeface="Shruti"/>
+        <a:font script="Khmr" typeface="MoolBoran"/>
+        <a:font script="Knda" typeface="Tunga"/>
+        <a:font script="Guru" typeface="Raavi"/>
+        <a:font script="Cans" typeface="Euphemia"/>
+        <a:font script="Cher" typeface="Plantagenet Cherokee"/>
+        <a:font script="Yiii" typeface="Microsoft Yi Baiti"/>
+        <a:font script="Tibt" typeface="Microsoft Himalaya"/>
+        <a:font script="Thaa" typeface="MV Boli"/>
+        <a:font script="Deva" typeface="Mangal"/>
+        <a:font script="Telu" typeface="Gautami"/>
+        <a:font script="Taml" typeface="Latha"/>
+        <a:font script="Syrc" typeface="Estrangelo Edessa"/>
+        <a:font script="Orya" typeface="Kalinga"/>
+        <a:font script="Mlym" typeface="Kartika"/>
+        <a:font script="Laoo" typeface="DokChampa"/>
+        <a:font script="Sinh" typeface="Iskoola Pota"/>
+        <a:font script="Mong" typeface="Mongolian Baiti"/>
+        <a:font script="Viet" typeface="Times New Roman"/>
+        <a:font script="Uigh" typeface="Microsoft Uighur"/>
+        <a:font script="Geor" typeface="Sylfaen"/>
+      </a:majorFont>
+      <a:minorFont>
+        <a:latin typeface="Arial"/>
+        <a:ea typeface=""/>
+        <a:cs typeface=""/>
+        <a:font script="Jpan" typeface="ＭＳ Ｐゴシック"/>
+        <a:font script="Hang" typeface="맑은 고딕"/>
+        <a:font script="Hans" typeface="宋体"/>
+        <a:font script="Hant" typeface="新細明體"/>
+        <a:font script="Arab" typeface="Arial"/>
+        <a:font script="Hebr" typeface="Arial"/>
+        <a:font script="Thai" typeface="Cordia New"/>
+        <a:font script="Ethi" typeface="Nyala"/>
+        <a:font script="Beng" typeface="Vrinda"/>
+        <a:font script="Gujr" typeface="Shruti"/>
+        <a:font script="Khmr" typeface="DaunPenh"/>
+        <a:font script="Knda" typeface="Tunga"/>
+        <a:font script="Guru" typeface="Raavi"/>
+        <a:font script="Cans" typeface="Euphemia"/>
+        <a:font script="Cher" typeface="Plantagenet Cherokee"/>
+        <a:font script="Yiii" typeface="Microsoft Yi Baiti"/>
+        <a:font script="Tibt" typeface="Microsoft Himalaya"/>
+        <a:font script="Thaa" typeface="MV Boli"/>
+        <a:font script="Deva" typeface="Mangal"/>
+        <a:font script="Telu" typeface="Gautami"/>
+        <a:font script="Taml" typeface="Latha"/>
+        <a:font script="Syrc" typeface="Estrangelo Edessa"/>
+        <a:font script="Orya" typeface="Kalinga"/>
+        <a:font script="Mlym" typeface="Kartika"/>
+        <a:font script="Laoo" typeface="DokChampa"/>
+        <a:font script="Sinh" typeface="Iskoola Pota"/>
+        <a:font script="Mong" typeface="Mongolian Baiti"/>
+        <a:font script="Viet" typeface="Arial"/>
+        <a:font script="Uigh" typeface="Microsoft Uighur"/>
+        <a:font script="Geor" typeface="Sylfaen"/>
+      </a:minorFont>
+    </a:fontScheme>
+    <a:fmtScheme name="Office">
+      <a:fillStyleLst>
+        <a:solidFill>
+          <a:schemeClr val="phClr"/>
+        </a:solidFill>
+        <a:gradFill rotWithShape="1">
+          <a:gsLst>
+            <a:gs pos="0">
+              <a:schemeClr val="phClr">
+                <a:tint val="50000"/>
+                <a:satMod val="300000"/>
+              </a:schemeClr>
+            </a:gs>
+            <a:gs pos="35000">
+              <a:schemeClr val="phClr">
+                <a:tint val="37000"/>
+                <a:satMod val="300000"/>
+              </a:schemeClr>
+            </a:gs>
+            <a:gs pos="100000">
+              <a:schemeClr val="phClr">
+                <a:tint val="15000"/>
+                <a:satMod val="350000"/>
+              </a:schemeClr>
+            </a:gs>
+          </a:gsLst>
+          <a:lin ang="16200000" scaled="1"/>
+        </a:gradFill>
+        <a:gradFill rotWithShape="1">
+          <a:gsLst>
+            <a:gs pos="0">
+              <a:schemeClr val="phClr">
+                <a:tint val="100000"/>
+                <a:shade val="100000"/>
+                <a:satMod val="130000"/>
+              </a:schemeClr>
+            </a:gs>
+            <a:gs pos="100000">
+              <a:schemeClr val="phClr">
+                <a:tint val="50000"/>
+                <a:shade val="100000"/>
+                <a:satMod val="350000"/>
+              </a:schemeClr>
+            </a:gs>
+          </a:gsLst>
+          <a:lin ang="16200000" scaled="0"/>
+        </a:gradFill>
+      </a:fillStyleLst>
+      <a:lnStyleLst>
+        <a:ln w="9525" cap="flat" cmpd="sng" algn="ctr">
+          <a:solidFill>
+            <a:schemeClr val="phClr">
+              <a:shade val="95000"/>
+              <a:satMod val="105000"/>
+            </a:schemeClr>
+          </a:solidFill>
+          <a:prstDash val="solid"/>
+        </a:ln>
+        <a:ln w="25400" cap="flat" cmpd="sng" algn="ctr">
+          <a:solidFill>
+            <a:schemeClr val="phClr"/>
+          </a:solidFill>
+          <a:prstDash val="solid"/>
+        </a:ln>
+        <a:ln w="38100" cap="flat" cmpd="sng" algn="ctr">
+          <a:solidFill>
+            <a:schemeClr val="phClr"/>
+          </a:solidFill>
+          <a:prstDash val="solid"/>
+        </a:ln>
+      </a:lnStyleLst>
+      <a:effectStyleLst>
+        <a:effectStyle>
+          <a:effectLst>
+            <a:outerShdw blurRad="40000" dist="20000" dir="5400000" rotWithShape="0">
+              <a:srgbClr val="000000">
+                <a:alpha val="38000"/>
+              </a:srgbClr>
+            </a:outerShdw>
+          </a:effectLst>
+        </a:effectStyle>
+        <a:effectStyle>
+          <a:effectLst>
+            <a:outerShdw blurRad="40000" dist="23000" dir="5400000" rotWithShape="0">
+              <a:srgbClr val="000000">
+                <a:alpha val="35000"/>
+              </a:srgbClr>
+            </a:outerShdw>
+          </a:effectLst>
+        </a:effectStyle>
+        <a:effectStyle>
+          <a:effectLst>
+            <a:outerShdw blurRad="40000" dist="23000" dir="5400000" rotWithShape="0">
+              <a:srgbClr val="000000">
+                <a:alpha val="35000"/>
+              </a:srgbClr>
+            </a:outerShdw>
+          </a:effectLst>
+          <a:scene3d>
+            <a:camera prst="orthographicFront">
+              <a:rot lat="0" lon="0" rev="0"/>
+            </a:camera>
+            <a:lightRig rig="threePt" dir="t">
+              <a:rot lat="0" lon="0" rev="1200000"/>
+            </a:lightRig>
+          </a:scene3d>
+          <a:sp3d>
+            <a:bevelT w="63500" h="25400"/>
+          </a:sp3d>
+        </a:effectStyle>
+      </a:effectStyleLst>
+      <a:bgFillStyleLst>
+        <a:solidFill>
+          <a:schemeClr val="phClr"/>
+        </a:solidFill>
+        <a:gradFill rotWithShape="1">
+          <a:gsLst>
+            <a:gs pos="0">
+              <a:schemeClr val="phClr">
+                <a:tint val="40000"/>
+                <a:satMod val="350000"/>
+              </a:schemeClr>
+            </a:gs>
+            <a:gs pos="40000">
+              <a:schemeClr val="phClr">
+                <a:tint val="45000"/>
+                <a:shade val="99000"/>
+                <a:satMod val="350000"/>
+              </a:schemeClr>
+            </a:gs>
+            <a:gs pos="100000">
+              <a:schemeClr val="phClr">
+                <a:shade val="20000"/>
+                <a:satMod val="255000"/>
+              </a:schemeClr>
+            </a:gs>
+          </a:gsLst>
+          <a:path path="circle">
+            <a:fillToRect l="50000" t="-80000" r="50000" b="180000"/>
+          </a:path>
+        </a:gradFill>
+        <a:gradFill rotWithShape="1">
+          <a:gsLst>
+            <a:gs pos="0">
+              <a:schemeClr val="phClr">
+                <a:tint val="80000"/>
+                <a:satMod val="300000"/>
+              </a:schemeClr>
+            </a:gs>
+            <a:gs pos="100000">
+              <a:schemeClr val="phClr">
+                <a:shade val="30000"/>
+                <a:satMod val="200000"/>
+              </a:schemeClr>
+            </a:gs>
+          </a:gsLst>
+          <a:path path="circle">
+            <a:fillToRect l="50000" t="50000" r="50000" b="50000"/>
+          </a:path>
+        </a:gradFill>
+      </a:bgFillStyleLst>
+    </a:fmtScheme>
+  </a:themeElements>
+</a:theme>
+</file>
+
+<file path=ppt/theme/theme2.xml><?xml version="1.0" encoding="utf-8"?>
 <a:theme xmlns:a="http://schemas.openxmlformats.org/drawingml/2006/main" xmlns:r="http://schemas.openxmlformats.org/officeDocument/2006/relationships">
   <a:themeElements>
     <a:clrScheme name="Default">
@@ -19315,283 +20172,4 @@
     </a:fmtScheme>
   </a:themeElements>
 </a:theme>
-</file>
-
-<file path=ppt/theme/theme2.xml><?xml version="1.0" encoding="utf-8"?>
-<a:theme xmlns:a="http://schemas.openxmlformats.org/drawingml/2006/main" xmlns:r="http://schemas.openxmlformats.org/officeDocument/2006/relationships" name="Office Theme">
-  <a:themeElements>
-    <a:clrScheme name="Office">
-      <a:dk1>
-        <a:srgbClr val="000000"/>
-      </a:dk1>
-      <a:lt1>
-        <a:srgbClr val="FFFFFF"/>
-      </a:lt1>
-      <a:dk2>
-        <a:srgbClr val="44546A"/>
-      </a:dk2>
-      <a:lt2>
-        <a:srgbClr val="E7E6E6"/>
-      </a:lt2>
-      <a:accent1>
-        <a:srgbClr val="4472C4"/>
-      </a:accent1>
-      <a:accent2>
-        <a:srgbClr val="ED7D31"/>
-      </a:accent2>
-      <a:accent3>
-        <a:srgbClr val="A5A5A5"/>
-      </a:accent3>
-      <a:accent4>
-        <a:srgbClr val="FFC000"/>
-      </a:accent4>
-      <a:accent5>
-        <a:srgbClr val="5B9BD5"/>
-      </a:accent5>
-      <a:accent6>
-        <a:srgbClr val="70AD47"/>
-      </a:accent6>
-      <a:hlink>
-        <a:srgbClr val="0563C1"/>
-      </a:hlink>
-      <a:folHlink>
-        <a:srgbClr val="954F72"/>
-      </a:folHlink>
-    </a:clrScheme>
-    <a:fontScheme name="Office">
-      <a:majorFont>
-        <a:latin typeface="Arial"/>
-        <a:ea typeface=""/>
-        <a:cs typeface=""/>
-        <a:font script="Jpan" typeface="ＭＳ Ｐゴシック"/>
-        <a:font script="Hang" typeface="맑은 고딕"/>
-        <a:font script="Hans" typeface="宋体"/>
-        <a:font script="Hant" typeface="新細明體"/>
-        <a:font script="Arab" typeface="Times New Roman"/>
-        <a:font script="Hebr" typeface="Times New Roman"/>
-        <a:font script="Thai" typeface="Angsana New"/>
-        <a:font script="Ethi" typeface="Nyala"/>
-        <a:font script="Beng" typeface="Vrinda"/>
-        <a:font script="Gujr" typeface="Shruti"/>
-        <a:font script="Khmr" typeface="MoolBoran"/>
-        <a:font script="Knda" typeface="Tunga"/>
-        <a:font script="Guru" typeface="Raavi"/>
-        <a:font script="Cans" typeface="Euphemia"/>
-        <a:font script="Cher" typeface="Plantagenet Cherokee"/>
-        <a:font script="Yiii" typeface="Microsoft Yi Baiti"/>
-        <a:font script="Tibt" typeface="Microsoft Himalaya"/>
-        <a:font script="Thaa" typeface="MV Boli"/>
-        <a:font script="Deva" typeface="Mangal"/>
-        <a:font script="Telu" typeface="Gautami"/>
-        <a:font script="Taml" typeface="Latha"/>
-        <a:font script="Syrc" typeface="Estrangelo Edessa"/>
-        <a:font script="Orya" typeface="Kalinga"/>
-        <a:font script="Mlym" typeface="Kartika"/>
-        <a:font script="Laoo" typeface="DokChampa"/>
-        <a:font script="Sinh" typeface="Iskoola Pota"/>
-        <a:font script="Mong" typeface="Mongolian Baiti"/>
-        <a:font script="Viet" typeface="Times New Roman"/>
-        <a:font script="Uigh" typeface="Microsoft Uighur"/>
-        <a:font script="Geor" typeface="Sylfaen"/>
-      </a:majorFont>
-      <a:minorFont>
-        <a:latin typeface="Arial"/>
-        <a:ea typeface=""/>
-        <a:cs typeface=""/>
-        <a:font script="Jpan" typeface="ＭＳ Ｐゴシック"/>
-        <a:font script="Hang" typeface="맑은 고딕"/>
-        <a:font script="Hans" typeface="宋体"/>
-        <a:font script="Hant" typeface="新細明體"/>
-        <a:font script="Arab" typeface="Arial"/>
-        <a:font script="Hebr" typeface="Arial"/>
-        <a:font script="Thai" typeface="Cordia New"/>
-        <a:font script="Ethi" typeface="Nyala"/>
-        <a:font script="Beng" typeface="Vrinda"/>
-        <a:font script="Gujr" typeface="Shruti"/>
-        <a:font script="Khmr" typeface="DaunPenh"/>
-        <a:font script="Knda" typeface="Tunga"/>
-        <a:font script="Guru" typeface="Raavi"/>
-        <a:font script="Cans" typeface="Euphemia"/>
-        <a:font script="Cher" typeface="Plantagenet Cherokee"/>
-        <a:font script="Yiii" typeface="Microsoft Yi Baiti"/>
-        <a:font script="Tibt" typeface="Microsoft Himalaya"/>
-        <a:font script="Thaa" typeface="MV Boli"/>
-        <a:font script="Deva" typeface="Mangal"/>
-        <a:font script="Telu" typeface="Gautami"/>
-        <a:font script="Taml" typeface="Latha"/>
-        <a:font script="Syrc" typeface="Estrangelo Edessa"/>
-        <a:font script="Orya" typeface="Kalinga"/>
-        <a:font script="Mlym" typeface="Kartika"/>
-        <a:font script="Laoo" typeface="DokChampa"/>
-        <a:font script="Sinh" typeface="Iskoola Pota"/>
-        <a:font script="Mong" typeface="Mongolian Baiti"/>
-        <a:font script="Viet" typeface="Arial"/>
-        <a:font script="Uigh" typeface="Microsoft Uighur"/>
-        <a:font script="Geor" typeface="Sylfaen"/>
-      </a:minorFont>
-    </a:fontScheme>
-    <a:fmtScheme name="Office">
-      <a:fillStyleLst>
-        <a:solidFill>
-          <a:schemeClr val="phClr"/>
-        </a:solidFill>
-        <a:gradFill rotWithShape="1">
-          <a:gsLst>
-            <a:gs pos="0">
-              <a:schemeClr val="phClr">
-                <a:tint val="50000"/>
-                <a:satMod val="300000"/>
-              </a:schemeClr>
-            </a:gs>
-            <a:gs pos="35000">
-              <a:schemeClr val="phClr">
-                <a:tint val="37000"/>
-                <a:satMod val="300000"/>
-              </a:schemeClr>
-            </a:gs>
-            <a:gs pos="100000">
-              <a:schemeClr val="phClr">
-                <a:tint val="15000"/>
-                <a:satMod val="350000"/>
-              </a:schemeClr>
-            </a:gs>
-          </a:gsLst>
-          <a:lin ang="16200000" scaled="1"/>
-        </a:gradFill>
-        <a:gradFill rotWithShape="1">
-          <a:gsLst>
-            <a:gs pos="0">
-              <a:schemeClr val="phClr">
-                <a:tint val="100000"/>
-                <a:shade val="100000"/>
-                <a:satMod val="130000"/>
-              </a:schemeClr>
-            </a:gs>
-            <a:gs pos="100000">
-              <a:schemeClr val="phClr">
-                <a:tint val="50000"/>
-                <a:shade val="100000"/>
-                <a:satMod val="350000"/>
-              </a:schemeClr>
-            </a:gs>
-          </a:gsLst>
-          <a:lin ang="16200000" scaled="0"/>
-        </a:gradFill>
-      </a:fillStyleLst>
-      <a:lnStyleLst>
-        <a:ln w="9525" cap="flat" cmpd="sng" algn="ctr">
-          <a:solidFill>
-            <a:schemeClr val="phClr">
-              <a:shade val="95000"/>
-              <a:satMod val="105000"/>
-            </a:schemeClr>
-          </a:solidFill>
-          <a:prstDash val="solid"/>
-        </a:ln>
-        <a:ln w="25400" cap="flat" cmpd="sng" algn="ctr">
-          <a:solidFill>
-            <a:schemeClr val="phClr"/>
-          </a:solidFill>
-          <a:prstDash val="solid"/>
-        </a:ln>
-        <a:ln w="38100" cap="flat" cmpd="sng" algn="ctr">
-          <a:solidFill>
-            <a:schemeClr val="phClr"/>
-          </a:solidFill>
-          <a:prstDash val="solid"/>
-        </a:ln>
-      </a:lnStyleLst>
-      <a:effectStyleLst>
-        <a:effectStyle>
-          <a:effectLst>
-            <a:outerShdw blurRad="40000" dist="20000" dir="5400000" rotWithShape="0">
-              <a:srgbClr val="000000">
-                <a:alpha val="38000"/>
-              </a:srgbClr>
-            </a:outerShdw>
-          </a:effectLst>
-        </a:effectStyle>
-        <a:effectStyle>
-          <a:effectLst>
-            <a:outerShdw blurRad="40000" dist="23000" dir="5400000" rotWithShape="0">
-              <a:srgbClr val="000000">
-                <a:alpha val="35000"/>
-              </a:srgbClr>
-            </a:outerShdw>
-          </a:effectLst>
-        </a:effectStyle>
-        <a:effectStyle>
-          <a:effectLst>
-            <a:outerShdw blurRad="40000" dist="23000" dir="5400000" rotWithShape="0">
-              <a:srgbClr val="000000">
-                <a:alpha val="35000"/>
-              </a:srgbClr>
-            </a:outerShdw>
-          </a:effectLst>
-          <a:scene3d>
-            <a:camera prst="orthographicFront">
-              <a:rot lat="0" lon="0" rev="0"/>
-            </a:camera>
-            <a:lightRig rig="threePt" dir="t">
-              <a:rot lat="0" lon="0" rev="1200000"/>
-            </a:lightRig>
-          </a:scene3d>
-          <a:sp3d>
-            <a:bevelT w="63500" h="25400"/>
-          </a:sp3d>
-        </a:effectStyle>
-      </a:effectStyleLst>
-      <a:bgFillStyleLst>
-        <a:solidFill>
-          <a:schemeClr val="phClr"/>
-        </a:solidFill>
-        <a:gradFill rotWithShape="1">
-          <a:gsLst>
-            <a:gs pos="0">
-              <a:schemeClr val="phClr">
-                <a:tint val="40000"/>
-                <a:satMod val="350000"/>
-              </a:schemeClr>
-            </a:gs>
-            <a:gs pos="40000">
-              <a:schemeClr val="phClr">
-                <a:tint val="45000"/>
-                <a:shade val="99000"/>
-                <a:satMod val="350000"/>
-              </a:schemeClr>
-            </a:gs>
-            <a:gs pos="100000">
-              <a:schemeClr val="phClr">
-                <a:shade val="20000"/>
-                <a:satMod val="255000"/>
-              </a:schemeClr>
-            </a:gs>
-          </a:gsLst>
-          <a:path path="circle">
-            <a:fillToRect l="50000" t="-80000" r="50000" b="180000"/>
-          </a:path>
-        </a:gradFill>
-        <a:gradFill rotWithShape="1">
-          <a:gsLst>
-            <a:gs pos="0">
-              <a:schemeClr val="phClr">
-                <a:tint val="80000"/>
-                <a:satMod val="300000"/>
-              </a:schemeClr>
-            </a:gs>
-            <a:gs pos="100000">
-              <a:schemeClr val="phClr">
-                <a:shade val="30000"/>
-                <a:satMod val="200000"/>
-              </a:schemeClr>
-            </a:gs>
-          </a:gsLst>
-          <a:path path="circle">
-            <a:fillToRect l="50000" t="50000" r="50000" b="50000"/>
-          </a:path>
-        </a:gradFill>
-      </a:bgFillStyleLst>
-    </a:fmtScheme>
-  </a:themeElements>
-</a:theme>
 </file>